--- a/5. how to find things and get help/Lesson 5 - How To.pptx
+++ b/5. how to find things and get help/Lesson 5 - How To.pptx
@@ -202,7 +202,7 @@
           <a:p>
             <a:fld id="{FA399BC5-55B2-4396-B8E1-2A874CFF6FD0}" type="datetimeFigureOut">
               <a:rPr lang="en-US" smtClean="0"/>
-              <a:t>7/27/2020</a:t>
+              <a:t>8/19/2020</a:t>
             </a:fld>
             <a:endParaRPr lang="en-US"/>
           </a:p>
@@ -616,7 +616,7 @@
           <a:p>
             <a:fld id="{3C4A8C66-638B-4250-BDC4-40973D4DE39D}" type="datetimeFigureOut">
               <a:rPr lang="en-US" smtClean="0"/>
-              <a:t>7/27/2020</a:t>
+              <a:t>8/19/2020</a:t>
             </a:fld>
             <a:endParaRPr lang="en-US"/>
           </a:p>
@@ -814,7 +814,7 @@
           <a:p>
             <a:fld id="{3C4A8C66-638B-4250-BDC4-40973D4DE39D}" type="datetimeFigureOut">
               <a:rPr lang="en-US" smtClean="0"/>
-              <a:t>7/27/2020</a:t>
+              <a:t>8/19/2020</a:t>
             </a:fld>
             <a:endParaRPr lang="en-US"/>
           </a:p>
@@ -1022,7 +1022,7 @@
           <a:p>
             <a:fld id="{3C4A8C66-638B-4250-BDC4-40973D4DE39D}" type="datetimeFigureOut">
               <a:rPr lang="en-US" smtClean="0"/>
-              <a:t>7/27/2020</a:t>
+              <a:t>8/19/2020</a:t>
             </a:fld>
             <a:endParaRPr lang="en-US"/>
           </a:p>
@@ -1220,7 +1220,7 @@
           <a:p>
             <a:fld id="{3C4A8C66-638B-4250-BDC4-40973D4DE39D}" type="datetimeFigureOut">
               <a:rPr lang="en-US" smtClean="0"/>
-              <a:t>7/27/2020</a:t>
+              <a:t>8/19/2020</a:t>
             </a:fld>
             <a:endParaRPr lang="en-US"/>
           </a:p>
@@ -1495,7 +1495,7 @@
           <a:p>
             <a:fld id="{3C4A8C66-638B-4250-BDC4-40973D4DE39D}" type="datetimeFigureOut">
               <a:rPr lang="en-US" smtClean="0"/>
-              <a:t>7/27/2020</a:t>
+              <a:t>8/19/2020</a:t>
             </a:fld>
             <a:endParaRPr lang="en-US"/>
           </a:p>
@@ -1760,7 +1760,7 @@
           <a:p>
             <a:fld id="{3C4A8C66-638B-4250-BDC4-40973D4DE39D}" type="datetimeFigureOut">
               <a:rPr lang="en-US" smtClean="0"/>
-              <a:t>7/27/2020</a:t>
+              <a:t>8/19/2020</a:t>
             </a:fld>
             <a:endParaRPr lang="en-US"/>
           </a:p>
@@ -2172,7 +2172,7 @@
           <a:p>
             <a:fld id="{3C4A8C66-638B-4250-BDC4-40973D4DE39D}" type="datetimeFigureOut">
               <a:rPr lang="en-US" smtClean="0"/>
-              <a:t>7/27/2020</a:t>
+              <a:t>8/19/2020</a:t>
             </a:fld>
             <a:endParaRPr lang="en-US"/>
           </a:p>
@@ -2313,7 +2313,7 @@
           <a:p>
             <a:fld id="{3C4A8C66-638B-4250-BDC4-40973D4DE39D}" type="datetimeFigureOut">
               <a:rPr lang="en-US" smtClean="0"/>
-              <a:t>7/27/2020</a:t>
+              <a:t>8/19/2020</a:t>
             </a:fld>
             <a:endParaRPr lang="en-US"/>
           </a:p>
@@ -2426,7 +2426,7 @@
           <a:p>
             <a:fld id="{3C4A8C66-638B-4250-BDC4-40973D4DE39D}" type="datetimeFigureOut">
               <a:rPr lang="en-US" smtClean="0"/>
-              <a:t>7/27/2020</a:t>
+              <a:t>8/19/2020</a:t>
             </a:fld>
             <a:endParaRPr lang="en-US"/>
           </a:p>
@@ -2737,7 +2737,7 @@
           <a:p>
             <a:fld id="{3C4A8C66-638B-4250-BDC4-40973D4DE39D}" type="datetimeFigureOut">
               <a:rPr lang="en-US" smtClean="0"/>
-              <a:t>7/27/2020</a:t>
+              <a:t>8/19/2020</a:t>
             </a:fld>
             <a:endParaRPr lang="en-US"/>
           </a:p>
@@ -3025,7 +3025,7 @@
           <a:p>
             <a:fld id="{3C4A8C66-638B-4250-BDC4-40973D4DE39D}" type="datetimeFigureOut">
               <a:rPr lang="en-US" smtClean="0"/>
-              <a:t>7/27/2020</a:t>
+              <a:t>8/19/2020</a:t>
             </a:fld>
             <a:endParaRPr lang="en-US"/>
           </a:p>
@@ -3266,7 +3266,7 @@
           <a:p>
             <a:fld id="{3C4A8C66-638B-4250-BDC4-40973D4DE39D}" type="datetimeFigureOut">
               <a:rPr lang="en-US" smtClean="0"/>
-              <a:t>7/27/2020</a:t>
+              <a:t>8/19/2020</a:t>
             </a:fld>
             <a:endParaRPr lang="en-US"/>
           </a:p>
@@ -4966,7 +4966,7 @@
         <p:spPr/>
         <p:txBody>
           <a:bodyPr>
-            <a:normAutofit lnSpcReduction="10000"/>
+            <a:normAutofit fontScale="92500" lnSpcReduction="20000"/>
           </a:bodyPr>
           <a:lstStyle/>
           <a:p>
@@ -5004,8 +5004,30 @@
             </a:r>
             <a:r>
               <a:rPr lang="en-US" dirty="0"/>
-              <a:t>) (use the function </a:t>
-            </a:r>
+              <a:t>)</a:t>
+            </a:r>
+          </a:p>
+          <a:p>
+            <a:pPr lvl="1"/>
+            <a:r>
+              <a:rPr lang="en-US" dirty="0" err="1">
+                <a:solidFill>
+                  <a:schemeClr val="accent6"/>
+                </a:solidFill>
+              </a:rPr>
+              <a:t>reprex</a:t>
+            </a:r>
+            <a:r>
+              <a:rPr lang="en-US" dirty="0">
+                <a:solidFill>
+                  <a:schemeClr val="accent6"/>
+                </a:solidFill>
+              </a:rPr>
+              <a:t> package</a:t>
+            </a:r>
+          </a:p>
+          <a:p>
+            <a:pPr lvl="1"/>
             <a:r>
               <a:rPr lang="en-US" dirty="0" err="1">
                 <a:solidFill>
@@ -5022,10 +5044,7 @@
               </a:rPr>
               <a:t>()</a:t>
             </a:r>
-            <a:r>
-              <a:rPr lang="en-US" dirty="0"/>
-              <a:t>)</a:t>
-            </a:r>
+            <a:endParaRPr lang="en-US" dirty="0"/>
           </a:p>
           <a:p>
             <a:r>
